--- a/Week 10/Week 10 - Inputs.pptx
+++ b/Week 10/Week 10 - Inputs.pptx
@@ -13,11 +13,11 @@
   <p:sldIdLst>
     <p:sldId id="280" r:id="rId2"/>
     <p:sldId id="282" r:id="rId3"/>
-    <p:sldId id="269" r:id="rId4"/>
+    <p:sldId id="271" r:id="rId4"/>
     <p:sldId id="283" r:id="rId5"/>
     <p:sldId id="270" r:id="rId6"/>
     <p:sldId id="284" r:id="rId7"/>
-    <p:sldId id="271" r:id="rId8"/>
+    <p:sldId id="269" r:id="rId8"/>
     <p:sldId id="285" r:id="rId9"/>
     <p:sldId id="272" r:id="rId10"/>
     <p:sldId id="286" r:id="rId11"/>
@@ -228,7 +228,7 @@
           <a:p>
             <a:fld id="{E5CB2E47-6F41-409B-AD22-834AE1EFF186}" type="datetimeFigureOut">
               <a:rPr lang="en-US" smtClean="0"/>
-              <a:t>30-Jul-19</a:t>
+              <a:t>7/31/2019</a:t>
             </a:fld>
             <a:endParaRPr lang="en-US" dirty="0"/>
           </a:p>
@@ -393,7 +393,7 @@
           <a:p>
             <a:fld id="{FAD6744A-403D-42A1-BFE7-61DA46EE7C6C}" type="datetimeFigureOut">
               <a:rPr lang="en-US" smtClean="0"/>
-              <a:t>30-Jul-19</a:t>
+              <a:t>7/31/2019</a:t>
             </a:fld>
             <a:endParaRPr lang="en-US" dirty="0"/>
           </a:p>
@@ -1088,7 +1088,7 @@
           <a:p>
             <a:fld id="{349BF3EA-1A78-4F07-BDC0-C8A1BD461199}" type="datetimeFigureOut">
               <a:rPr lang="en-US" smtClean="0"/>
-              <a:t>30-Jul-19</a:t>
+              <a:t>7/31/2019</a:t>
             </a:fld>
             <a:endParaRPr lang="en-US" dirty="0"/>
           </a:p>
@@ -1272,7 +1272,7 @@
           <a:p>
             <a:fld id="{349BF3EA-1A78-4F07-BDC0-C8A1BD461199}" type="datetimeFigureOut">
               <a:rPr lang="en-US" smtClean="0"/>
-              <a:t>30-Jul-19</a:t>
+              <a:t>7/31/2019</a:t>
             </a:fld>
             <a:endParaRPr lang="en-US" dirty="0"/>
           </a:p>
@@ -1466,7 +1466,7 @@
           <a:p>
             <a:fld id="{349BF3EA-1A78-4F07-BDC0-C8A1BD461199}" type="datetimeFigureOut">
               <a:rPr lang="en-US" smtClean="0"/>
-              <a:t>30-Jul-19</a:t>
+              <a:t>7/31/2019</a:t>
             </a:fld>
             <a:endParaRPr lang="en-US" dirty="0"/>
           </a:p>
@@ -1655,7 +1655,7 @@
           <a:p>
             <a:fld id="{349BF3EA-1A78-4F07-BDC0-C8A1BD461199}" type="datetimeFigureOut">
               <a:rPr lang="en-US" smtClean="0"/>
-              <a:t>30-Jul-19</a:t>
+              <a:t>7/31/2019</a:t>
             </a:fld>
             <a:endParaRPr lang="en-US" dirty="0"/>
           </a:p>
@@ -2121,7 +2121,7 @@
           <a:p>
             <a:fld id="{349BF3EA-1A78-4F07-BDC0-C8A1BD461199}" type="datetimeFigureOut">
               <a:rPr lang="en-US" smtClean="0"/>
-              <a:t>30-Jul-19</a:t>
+              <a:t>7/31/2019</a:t>
             </a:fld>
             <a:endParaRPr lang="en-US" dirty="0"/>
           </a:p>
@@ -2367,7 +2367,7 @@
           <a:p>
             <a:fld id="{349BF3EA-1A78-4F07-BDC0-C8A1BD461199}" type="datetimeFigureOut">
               <a:rPr lang="en-US" smtClean="0"/>
-              <a:t>30-Jul-19</a:t>
+              <a:t>7/31/2019</a:t>
             </a:fld>
             <a:endParaRPr lang="en-US" dirty="0"/>
           </a:p>
@@ -2752,7 +2752,7 @@
           <a:p>
             <a:fld id="{349BF3EA-1A78-4F07-BDC0-C8A1BD461199}" type="datetimeFigureOut">
               <a:rPr lang="en-US" smtClean="0"/>
-              <a:t>30-Jul-19</a:t>
+              <a:t>7/31/2019</a:t>
             </a:fld>
             <a:endParaRPr lang="en-US" dirty="0"/>
           </a:p>
@@ -2884,7 +2884,7 @@
           <a:p>
             <a:fld id="{349BF3EA-1A78-4F07-BDC0-C8A1BD461199}" type="datetimeFigureOut">
               <a:rPr lang="en-US" smtClean="0"/>
-              <a:t>30-Jul-19</a:t>
+              <a:t>7/31/2019</a:t>
             </a:fld>
             <a:endParaRPr lang="en-US" dirty="0"/>
           </a:p>
@@ -2994,7 +2994,7 @@
           <a:p>
             <a:fld id="{349BF3EA-1A78-4F07-BDC0-C8A1BD461199}" type="datetimeFigureOut">
               <a:rPr lang="en-US" smtClean="0"/>
-              <a:t>30-Jul-19</a:t>
+              <a:t>7/31/2019</a:t>
             </a:fld>
             <a:endParaRPr lang="en-US" dirty="0"/>
           </a:p>
@@ -3338,7 +3338,7 @@
           <a:p>
             <a:fld id="{349BF3EA-1A78-4F07-BDC0-C8A1BD461199}" type="datetimeFigureOut">
               <a:rPr lang="en-US" smtClean="0"/>
-              <a:t>30-Jul-19</a:t>
+              <a:t>7/31/2019</a:t>
             </a:fld>
             <a:endParaRPr lang="en-US" dirty="0"/>
           </a:p>
@@ -3727,7 +3727,7 @@
           <a:p>
             <a:fld id="{349BF3EA-1A78-4F07-BDC0-C8A1BD461199}" type="datetimeFigureOut">
               <a:rPr lang="en-US" smtClean="0"/>
-              <a:t>30-Jul-19</a:t>
+              <a:t>7/31/2019</a:t>
             </a:fld>
             <a:endParaRPr lang="en-US" dirty="0"/>
           </a:p>
@@ -4089,7 +4089,7 @@
           <a:p>
             <a:fld id="{349BF3EA-1A78-4F07-BDC0-C8A1BD461199}" type="datetimeFigureOut">
               <a:rPr lang="en-US" smtClean="0"/>
-              <a:t>30-Jul-19</a:t>
+              <a:t>7/31/2019</a:t>
             </a:fld>
             <a:endParaRPr lang="en-US" dirty="0"/>
           </a:p>
@@ -6450,17 +6450,16 @@
           <a:lstStyle/>
           <a:p>
             <a:r>
-              <a:rPr lang="en-US" b="1" dirty="0"/>
-              <a:t>Characteristic</a:t>
+              <a:rPr lang="en-US" dirty="0"/>
+              <a:t>Characteristic </a:t>
             </a:r>
             <a:br>
-              <a:rPr lang="en-US" b="1" dirty="0"/>
+              <a:rPr lang="en-US" dirty="0"/>
             </a:br>
             <a:r>
-              <a:rPr lang="en-US" sz="3600" b="1" dirty="0"/>
-              <a:t>Ease of Data Entry</a:t>
-            </a:r>
-            <a:endParaRPr lang="en-US" sz="3600" dirty="0"/>
+              <a:rPr lang="en-US" sz="3600" dirty="0"/>
+              <a:t>HELP Facilities</a:t>
+            </a:r>
           </a:p>
         </p:txBody>
       </p:sp>
@@ -6482,18 +6481,39 @@
             <a:pPr lvl="0"/>
             <a:r>
               <a:rPr lang="en-US" dirty="0"/>
-              <a:t>This is a search page for the National Library of Malaysia. The data entry screen in the same logical order as the input form. After that it also have a clear title of field and if user insert an invalidation data it has a provision of data validation checks in order to reduce potential human data entry error.</a:t>
-            </a:r>
-          </a:p>
-          <a:p>
-            <a:endParaRPr lang="en-US" dirty="0"/>
+              <a:t>This is a </a:t>
+            </a:r>
+            <a:r>
+              <a:rPr lang="en-US" dirty="0" smtClean="0"/>
+              <a:t>search page for </a:t>
+            </a:r>
+            <a:r>
+              <a:rPr lang="en-US" dirty="0"/>
+              <a:t>the National Library of Malaysia.  It contains a hypertext in a box. This can help when users are unsure or unable to perform a certain function or made an error and it also accompanied by an example application of the command. </a:t>
+            </a:r>
+            <a:r>
+              <a:rPr lang="en-US" dirty="0" smtClean="0"/>
+              <a:t>Before </a:t>
+            </a:r>
+            <a:r>
+              <a:rPr lang="en-US" dirty="0"/>
+              <a:t>user key </a:t>
+            </a:r>
+            <a:r>
+              <a:rPr lang="en-US" dirty="0" smtClean="0"/>
+              <a:t>in data </a:t>
+            </a:r>
+            <a:r>
+              <a:rPr lang="en-US" dirty="0"/>
+              <a:t>it will suggest a correct alternative to the command that the user has specified.</a:t>
+            </a:r>
           </a:p>
         </p:txBody>
       </p:sp>
     </p:spTree>
     <p:extLst>
       <p:ext uri="{BB962C8B-B14F-4D97-AF65-F5344CB8AC3E}">
-        <p14:creationId xmlns:p14="http://schemas.microsoft.com/office/powerpoint/2010/main" val="1727852844"/>
+        <p14:creationId xmlns:p14="http://schemas.microsoft.com/office/powerpoint/2010/main" val="30726060"/>
       </p:ext>
     </p:extLst>
   </p:cSld>
@@ -6961,46 +6981,58 @@
           <a:lstStyle/>
           <a:p>
             <a:r>
+              <a:rPr lang="en-US" b="1" dirty="0"/>
+              <a:t>Characteristic</a:t>
+            </a:r>
+            <a:br>
+              <a:rPr lang="en-US" b="1" dirty="0"/>
+            </a:br>
+            <a:r>
+              <a:rPr lang="en-US" sz="3600" b="1" dirty="0"/>
+              <a:t>Ease of Data Entry</a:t>
+            </a:r>
+            <a:endParaRPr lang="en-US" sz="3600" dirty="0"/>
+          </a:p>
+        </p:txBody>
+      </p:sp>
+      <p:sp>
+        <p:nvSpPr>
+          <p:cNvPr id="2" name="Content Placeholder 1"/>
+          <p:cNvSpPr>
+            <a:spLocks noGrp="1"/>
+          </p:cNvSpPr>
+          <p:nvPr>
+            <p:ph sz="quarter" idx="1"/>
+          </p:nvPr>
+        </p:nvSpPr>
+        <p:spPr/>
+        <p:txBody>
+          <a:bodyPr/>
+          <a:lstStyle/>
+          <a:p>
+            <a:pPr lvl="0"/>
+            <a:r>
               <a:rPr lang="en-US" dirty="0"/>
-              <a:t>Characteristic </a:t>
-            </a:r>
-            <a:br>
+              <a:t>This is a </a:t>
+            </a:r>
+            <a:r>
+              <a:rPr lang="en-US" dirty="0" smtClean="0"/>
+              <a:t>login and register </a:t>
+            </a:r>
+            <a:r>
               <a:rPr lang="en-US" dirty="0"/>
-            </a:br>
-            <a:r>
-              <a:rPr lang="en-US" sz="3600" dirty="0"/>
-              <a:t>HELP Facilities</a:t>
-            </a:r>
-          </a:p>
-        </p:txBody>
-      </p:sp>
-      <p:sp>
-        <p:nvSpPr>
-          <p:cNvPr id="2" name="Content Placeholder 1"/>
-          <p:cNvSpPr>
-            <a:spLocks noGrp="1"/>
-          </p:cNvSpPr>
-          <p:nvPr>
-            <p:ph sz="quarter" idx="1"/>
-          </p:nvPr>
-        </p:nvSpPr>
-        <p:spPr/>
-        <p:txBody>
-          <a:bodyPr/>
-          <a:lstStyle/>
-          <a:p>
-            <a:pPr lvl="0"/>
-            <a:r>
-              <a:rPr lang="en-US" dirty="0"/>
-              <a:t>This is a register page and login page for the National Library of Malaysia.  It contains a hypertext in a box. This can help when users are unsure or unable to perform a certain function or made an error and it also accompanied by an example application of the command. When user key in invalid data it will suggest a correct alternative to the command that the user has specified.</a:t>
-            </a:r>
+              <a:t>page for the National Library of Malaysia. The data entry screen in the same logical order as the input form. After that it also have a clear title of field and if user insert an invalidation data it has a provision of data validation checks in order to reduce potential human data entry error.</a:t>
+            </a:r>
+          </a:p>
+          <a:p>
+            <a:endParaRPr lang="en-US" dirty="0"/>
           </a:p>
         </p:txBody>
       </p:sp>
     </p:spTree>
     <p:extLst>
       <p:ext uri="{BB962C8B-B14F-4D97-AF65-F5344CB8AC3E}">
-        <p14:creationId xmlns:p14="http://schemas.microsoft.com/office/powerpoint/2010/main" val="30726060"/>
+        <p14:creationId xmlns:p14="http://schemas.microsoft.com/office/powerpoint/2010/main" val="1727852844"/>
       </p:ext>
     </p:extLst>
   </p:cSld>

--- a/Week 10/Week 10 - Inputs.pptx
+++ b/Week 10/Week 10 - Inputs.pptx
@@ -228,7 +228,7 @@
           <a:p>
             <a:fld id="{E5CB2E47-6F41-409B-AD22-834AE1EFF186}" type="datetimeFigureOut">
               <a:rPr lang="en-US" smtClean="0"/>
-              <a:t>7/31/2019</a:t>
+              <a:t>31-Jul-19</a:t>
             </a:fld>
             <a:endParaRPr lang="en-US" dirty="0"/>
           </a:p>
@@ -393,7 +393,7 @@
           <a:p>
             <a:fld id="{FAD6744A-403D-42A1-BFE7-61DA46EE7C6C}" type="datetimeFigureOut">
               <a:rPr lang="en-US" smtClean="0"/>
-              <a:t>7/31/2019</a:t>
+              <a:t>31-Jul-19</a:t>
             </a:fld>
             <a:endParaRPr lang="en-US" dirty="0"/>
           </a:p>
@@ -1088,7 +1088,7 @@
           <a:p>
             <a:fld id="{349BF3EA-1A78-4F07-BDC0-C8A1BD461199}" type="datetimeFigureOut">
               <a:rPr lang="en-US" smtClean="0"/>
-              <a:t>7/31/2019</a:t>
+              <a:t>31-Jul-19</a:t>
             </a:fld>
             <a:endParaRPr lang="en-US" dirty="0"/>
           </a:p>
@@ -1272,7 +1272,7 @@
           <a:p>
             <a:fld id="{349BF3EA-1A78-4F07-BDC0-C8A1BD461199}" type="datetimeFigureOut">
               <a:rPr lang="en-US" smtClean="0"/>
-              <a:t>7/31/2019</a:t>
+              <a:t>31-Jul-19</a:t>
             </a:fld>
             <a:endParaRPr lang="en-US" dirty="0"/>
           </a:p>
@@ -1466,7 +1466,7 @@
           <a:p>
             <a:fld id="{349BF3EA-1A78-4F07-BDC0-C8A1BD461199}" type="datetimeFigureOut">
               <a:rPr lang="en-US" smtClean="0"/>
-              <a:t>7/31/2019</a:t>
+              <a:t>31-Jul-19</a:t>
             </a:fld>
             <a:endParaRPr lang="en-US" dirty="0"/>
           </a:p>
@@ -1655,7 +1655,7 @@
           <a:p>
             <a:fld id="{349BF3EA-1A78-4F07-BDC0-C8A1BD461199}" type="datetimeFigureOut">
               <a:rPr lang="en-US" smtClean="0"/>
-              <a:t>7/31/2019</a:t>
+              <a:t>31-Jul-19</a:t>
             </a:fld>
             <a:endParaRPr lang="en-US" dirty="0"/>
           </a:p>
@@ -2121,7 +2121,7 @@
           <a:p>
             <a:fld id="{349BF3EA-1A78-4F07-BDC0-C8A1BD461199}" type="datetimeFigureOut">
               <a:rPr lang="en-US" smtClean="0"/>
-              <a:t>7/31/2019</a:t>
+              <a:t>31-Jul-19</a:t>
             </a:fld>
             <a:endParaRPr lang="en-US" dirty="0"/>
           </a:p>
@@ -2367,7 +2367,7 @@
           <a:p>
             <a:fld id="{349BF3EA-1A78-4F07-BDC0-C8A1BD461199}" type="datetimeFigureOut">
               <a:rPr lang="en-US" smtClean="0"/>
-              <a:t>7/31/2019</a:t>
+              <a:t>31-Jul-19</a:t>
             </a:fld>
             <a:endParaRPr lang="en-US" dirty="0"/>
           </a:p>
@@ -2752,7 +2752,7 @@
           <a:p>
             <a:fld id="{349BF3EA-1A78-4F07-BDC0-C8A1BD461199}" type="datetimeFigureOut">
               <a:rPr lang="en-US" smtClean="0"/>
-              <a:t>7/31/2019</a:t>
+              <a:t>31-Jul-19</a:t>
             </a:fld>
             <a:endParaRPr lang="en-US" dirty="0"/>
           </a:p>
@@ -2884,7 +2884,7 @@
           <a:p>
             <a:fld id="{349BF3EA-1A78-4F07-BDC0-C8A1BD461199}" type="datetimeFigureOut">
               <a:rPr lang="en-US" smtClean="0"/>
-              <a:t>7/31/2019</a:t>
+              <a:t>31-Jul-19</a:t>
             </a:fld>
             <a:endParaRPr lang="en-US" dirty="0"/>
           </a:p>
@@ -2994,7 +2994,7 @@
           <a:p>
             <a:fld id="{349BF3EA-1A78-4F07-BDC0-C8A1BD461199}" type="datetimeFigureOut">
               <a:rPr lang="en-US" smtClean="0"/>
-              <a:t>7/31/2019</a:t>
+              <a:t>31-Jul-19</a:t>
             </a:fld>
             <a:endParaRPr lang="en-US" dirty="0"/>
           </a:p>
@@ -3338,7 +3338,7 @@
           <a:p>
             <a:fld id="{349BF3EA-1A78-4F07-BDC0-C8A1BD461199}" type="datetimeFigureOut">
               <a:rPr lang="en-US" smtClean="0"/>
-              <a:t>7/31/2019</a:t>
+              <a:t>31-Jul-19</a:t>
             </a:fld>
             <a:endParaRPr lang="en-US" dirty="0"/>
           </a:p>
@@ -3727,7 +3727,7 @@
           <a:p>
             <a:fld id="{349BF3EA-1A78-4F07-BDC0-C8A1BD461199}" type="datetimeFigureOut">
               <a:rPr lang="en-US" smtClean="0"/>
-              <a:t>7/31/2019</a:t>
+              <a:t>31-Jul-19</a:t>
             </a:fld>
             <a:endParaRPr lang="en-US" dirty="0"/>
           </a:p>
@@ -4089,7 +4089,7 @@
           <a:p>
             <a:fld id="{349BF3EA-1A78-4F07-BDC0-C8A1BD461199}" type="datetimeFigureOut">
               <a:rPr lang="en-US" smtClean="0"/>
-              <a:t>7/31/2019</a:t>
+              <a:t>31-Jul-19</a:t>
             </a:fld>
             <a:endParaRPr lang="en-US" dirty="0"/>
           </a:p>
@@ -6481,31 +6481,7 @@
             <a:pPr lvl="0"/>
             <a:r>
               <a:rPr lang="en-US" dirty="0"/>
-              <a:t>This is a </a:t>
-            </a:r>
-            <a:r>
-              <a:rPr lang="en-US" dirty="0" smtClean="0"/>
-              <a:t>search page for </a:t>
-            </a:r>
-            <a:r>
-              <a:rPr lang="en-US" dirty="0"/>
-              <a:t>the National Library of Malaysia.  It contains a hypertext in a box. This can help when users are unsure or unable to perform a certain function or made an error and it also accompanied by an example application of the command. </a:t>
-            </a:r>
-            <a:r>
-              <a:rPr lang="en-US" dirty="0" smtClean="0"/>
-              <a:t>Before </a:t>
-            </a:r>
-            <a:r>
-              <a:rPr lang="en-US" dirty="0"/>
-              <a:t>user key </a:t>
-            </a:r>
-            <a:r>
-              <a:rPr lang="en-US" dirty="0" smtClean="0"/>
-              <a:t>in data </a:t>
-            </a:r>
-            <a:r>
-              <a:rPr lang="en-US" dirty="0"/>
-              <a:t>it will suggest a correct alternative to the command that the user has specified.</a:t>
+              <a:t>This is a search page and advanced search page for the National Library of Malaysia.  It contains a hypertext in a box. This can help when users are unsure or unable to perform a certain function or made an error and it also accompanied by an example application of the command. Before user key in data it will suggest a correct alternative to the command that the user has specified.</a:t>
             </a:r>
           </a:p>
         </p:txBody>
@@ -7013,15 +6989,7 @@
             <a:pPr lvl="0"/>
             <a:r>
               <a:rPr lang="en-US" dirty="0"/>
-              <a:t>This is a </a:t>
-            </a:r>
-            <a:r>
-              <a:rPr lang="en-US" dirty="0" smtClean="0"/>
-              <a:t>login and register </a:t>
-            </a:r>
-            <a:r>
-              <a:rPr lang="en-US" dirty="0"/>
-              <a:t>page for the National Library of Malaysia. The data entry screen in the same logical order as the input form. After that it also have a clear title of field and if user insert an invalidation data it has a provision of data validation checks in order to reduce potential human data entry error.</a:t>
+              <a:t>This is a login and register page for the National Library of Malaysia. The data entry screen in the same logical order as the input form. After that it also have a clear title of field and if user insert an invalidation data it has a provision of data validation checks in order to reduce potential human data entry error.</a:t>
             </a:r>
           </a:p>
           <a:p>
